--- a/images/theory_analysis/Multicast/Multicast.pptx
+++ b/images/theory_analysis/Multicast/Multicast.pptx
@@ -112,7 +112,7 @@
   </p:defaultTextStyle>
   <p:extLst>
     <p:ext uri="{EFAFB233-063F-42B5-8137-9DF3F51BA10A}">
-      <p15:sldGuideLst xmlns:p15="http://schemas.microsoft.com/office/powerpoint/2012/main" xmlns="">
+      <p15:sldGuideLst xmlns="" xmlns:p15="http://schemas.microsoft.com/office/powerpoint/2012/main">
         <p15:guide id="1" orient="horz" pos="2160">
           <p15:clr>
             <a:srgbClr val="A4A3A4"/>
@@ -216,7 +216,7 @@
           <a:p>
             <a:fld id="{6CD5550B-26C4-49A9-A5BA-636EF7BE6CE9}" type="datetimeFigureOut">
               <a:rPr lang="ko-KR" altLang="en-US" smtClean="0"/>
-              <a:t>2017-05-15</a:t>
+              <a:t>2018-07-10</a:t>
             </a:fld>
             <a:endParaRPr lang="ko-KR" altLang="en-US"/>
           </a:p>
@@ -665,7 +665,7 @@
           <a:p>
             <a:fld id="{FB30EDBD-1C2D-4C1E-B459-B60219FAB484}" type="datetimeFigureOut">
               <a:rPr lang="ko-KR" altLang="en-US" smtClean="0"/>
-              <a:t>2017-05-15</a:t>
+              <a:t>2018-07-10</a:t>
             </a:fld>
             <a:endParaRPr lang="ko-KR" altLang="en-US"/>
           </a:p>
@@ -830,7 +830,7 @@
           <a:p>
             <a:fld id="{FB30EDBD-1C2D-4C1E-B459-B60219FAB484}" type="datetimeFigureOut">
               <a:rPr lang="ko-KR" altLang="en-US" smtClean="0"/>
-              <a:t>2017-05-15</a:t>
+              <a:t>2018-07-10</a:t>
             </a:fld>
             <a:endParaRPr lang="ko-KR" altLang="en-US"/>
           </a:p>
@@ -1005,7 +1005,7 @@
           <a:p>
             <a:fld id="{FB30EDBD-1C2D-4C1E-B459-B60219FAB484}" type="datetimeFigureOut">
               <a:rPr lang="ko-KR" altLang="en-US" smtClean="0"/>
-              <a:t>2017-05-15</a:t>
+              <a:t>2018-07-10</a:t>
             </a:fld>
             <a:endParaRPr lang="ko-KR" altLang="en-US"/>
           </a:p>
@@ -1170,7 +1170,7 @@
           <a:p>
             <a:fld id="{FB30EDBD-1C2D-4C1E-B459-B60219FAB484}" type="datetimeFigureOut">
               <a:rPr lang="ko-KR" altLang="en-US" smtClean="0"/>
-              <a:t>2017-05-15</a:t>
+              <a:t>2018-07-10</a:t>
             </a:fld>
             <a:endParaRPr lang="ko-KR" altLang="en-US"/>
           </a:p>
@@ -1418,7 +1418,7 @@
           <a:p>
             <a:fld id="{FB30EDBD-1C2D-4C1E-B459-B60219FAB484}" type="datetimeFigureOut">
               <a:rPr lang="ko-KR" altLang="en-US" smtClean="0"/>
-              <a:t>2017-05-15</a:t>
+              <a:t>2018-07-10</a:t>
             </a:fld>
             <a:endParaRPr lang="ko-KR" altLang="en-US"/>
           </a:p>
@@ -1701,7 +1701,7 @@
           <a:p>
             <a:fld id="{FB30EDBD-1C2D-4C1E-B459-B60219FAB484}" type="datetimeFigureOut">
               <a:rPr lang="ko-KR" altLang="en-US" smtClean="0"/>
-              <a:t>2017-05-15</a:t>
+              <a:t>2018-07-10</a:t>
             </a:fld>
             <a:endParaRPr lang="ko-KR" altLang="en-US"/>
           </a:p>
@@ -2118,7 +2118,7 @@
           <a:p>
             <a:fld id="{FB30EDBD-1C2D-4C1E-B459-B60219FAB484}" type="datetimeFigureOut">
               <a:rPr lang="ko-KR" altLang="en-US" smtClean="0"/>
-              <a:t>2017-05-15</a:t>
+              <a:t>2018-07-10</a:t>
             </a:fld>
             <a:endParaRPr lang="ko-KR" altLang="en-US"/>
           </a:p>
@@ -2231,7 +2231,7 @@
           <a:p>
             <a:fld id="{FB30EDBD-1C2D-4C1E-B459-B60219FAB484}" type="datetimeFigureOut">
               <a:rPr lang="ko-KR" altLang="en-US" smtClean="0"/>
-              <a:t>2017-05-15</a:t>
+              <a:t>2018-07-10</a:t>
             </a:fld>
             <a:endParaRPr lang="ko-KR" altLang="en-US"/>
           </a:p>
@@ -2321,7 +2321,7 @@
           <a:p>
             <a:fld id="{FB30EDBD-1C2D-4C1E-B459-B60219FAB484}" type="datetimeFigureOut">
               <a:rPr lang="ko-KR" altLang="en-US" smtClean="0"/>
-              <a:t>2017-05-15</a:t>
+              <a:t>2018-07-10</a:t>
             </a:fld>
             <a:endParaRPr lang="ko-KR" altLang="en-US"/>
           </a:p>
@@ -2593,7 +2593,7 @@
           <a:p>
             <a:fld id="{FB30EDBD-1C2D-4C1E-B459-B60219FAB484}" type="datetimeFigureOut">
               <a:rPr lang="ko-KR" altLang="en-US" smtClean="0"/>
-              <a:t>2017-05-15</a:t>
+              <a:t>2018-07-10</a:t>
             </a:fld>
             <a:endParaRPr lang="ko-KR" altLang="en-US"/>
           </a:p>
@@ -2841,7 +2841,7 @@
           <a:p>
             <a:fld id="{FB30EDBD-1C2D-4C1E-B459-B60219FAB484}" type="datetimeFigureOut">
               <a:rPr lang="ko-KR" altLang="en-US" smtClean="0"/>
-              <a:t>2017-05-15</a:t>
+              <a:t>2018-07-10</a:t>
             </a:fld>
             <a:endParaRPr lang="ko-KR" altLang="en-US"/>
           </a:p>
@@ -3049,7 +3049,7 @@
           <a:p>
             <a:fld id="{FB30EDBD-1C2D-4C1E-B459-B60219FAB484}" type="datetimeFigureOut">
               <a:rPr lang="ko-KR" altLang="en-US" smtClean="0"/>
-              <a:t>2017-05-15</a:t>
+              <a:t>2018-07-10</a:t>
             </a:fld>
             <a:endParaRPr lang="ko-KR" altLang="en-US"/>
           </a:p>
@@ -4634,7 +4634,23 @@
                   <a:schemeClr val="tx1"/>
                 </a:solidFill>
               </a:rPr>
-              <a:t>(255.0.0.1)</a:t>
+              <a:t>(</a:t>
+            </a:r>
+            <a:r>
+              <a:rPr lang="en-US" altLang="ko-KR" sz="1400" dirty="0" smtClean="0">
+                <a:solidFill>
+                  <a:schemeClr val="tx1"/>
+                </a:solidFill>
+              </a:rPr>
+              <a:t>224.0.0.1</a:t>
+            </a:r>
+            <a:r>
+              <a:rPr lang="en-US" altLang="ko-KR" sz="1400" dirty="0" smtClean="0">
+                <a:solidFill>
+                  <a:schemeClr val="tx1"/>
+                </a:solidFill>
+              </a:rPr>
+              <a:t>)</a:t>
             </a:r>
             <a:endParaRPr lang="ko-KR" altLang="en-US" sz="1400" dirty="0">
               <a:solidFill>
@@ -4772,7 +4788,23 @@
                   <a:schemeClr val="tx1"/>
                 </a:solidFill>
               </a:rPr>
-              <a:t>(255.0.0.1)</a:t>
+              <a:t>(</a:t>
+            </a:r>
+            <a:r>
+              <a:rPr lang="en-US" altLang="ko-KR" sz="1400" dirty="0" smtClean="0">
+                <a:solidFill>
+                  <a:schemeClr val="tx1"/>
+                </a:solidFill>
+              </a:rPr>
+              <a:t>224.0.0.1</a:t>
+            </a:r>
+            <a:r>
+              <a:rPr lang="en-US" altLang="ko-KR" sz="1400" dirty="0" smtClean="0">
+                <a:solidFill>
+                  <a:schemeClr val="tx1"/>
+                </a:solidFill>
+              </a:rPr>
+              <a:t>)</a:t>
             </a:r>
             <a:endParaRPr lang="ko-KR" altLang="en-US" sz="1400" dirty="0">
               <a:solidFill>
@@ -5455,7 +5487,23 @@
                   <a:schemeClr val="tx1"/>
                 </a:solidFill>
               </a:rPr>
-              <a:t>(255.0.0.1)</a:t>
+              <a:t>(</a:t>
+            </a:r>
+            <a:r>
+              <a:rPr lang="en-US" altLang="ko-KR" sz="1400" dirty="0" smtClean="0">
+                <a:solidFill>
+                  <a:schemeClr val="tx1"/>
+                </a:solidFill>
+              </a:rPr>
+              <a:t>224.0.0.1</a:t>
+            </a:r>
+            <a:r>
+              <a:rPr lang="en-US" altLang="ko-KR" sz="1400" dirty="0" smtClean="0">
+                <a:solidFill>
+                  <a:schemeClr val="tx1"/>
+                </a:solidFill>
+              </a:rPr>
+              <a:t>)</a:t>
             </a:r>
             <a:endParaRPr lang="ko-KR" altLang="en-US" sz="1400" dirty="0">
               <a:solidFill>
@@ -6115,7 +6163,23 @@
                   <a:schemeClr val="tx1"/>
                 </a:solidFill>
               </a:rPr>
-              <a:t>(255.0.0.1)</a:t>
+              <a:t>(</a:t>
+            </a:r>
+            <a:r>
+              <a:rPr lang="en-US" altLang="ko-KR" sz="1400" dirty="0" smtClean="0">
+                <a:solidFill>
+                  <a:schemeClr val="tx1"/>
+                </a:solidFill>
+              </a:rPr>
+              <a:t>224.0.0.1</a:t>
+            </a:r>
+            <a:r>
+              <a:rPr lang="en-US" altLang="ko-KR" sz="1400" dirty="0" smtClean="0">
+                <a:solidFill>
+                  <a:schemeClr val="tx1"/>
+                </a:solidFill>
+              </a:rPr>
+              <a:t>)</a:t>
             </a:r>
             <a:endParaRPr lang="ko-KR" altLang="en-US" sz="1400" dirty="0">
               <a:solidFill>
@@ -6254,7 +6318,23 @@
                   <a:schemeClr val="tx1"/>
                 </a:solidFill>
               </a:rPr>
-              <a:t>(255.0.0.1)</a:t>
+              <a:t>(</a:t>
+            </a:r>
+            <a:r>
+              <a:rPr lang="en-US" altLang="ko-KR" sz="1400" dirty="0" smtClean="0">
+                <a:solidFill>
+                  <a:schemeClr val="tx1"/>
+                </a:solidFill>
+              </a:rPr>
+              <a:t>224.0.0.1</a:t>
+            </a:r>
+            <a:r>
+              <a:rPr lang="en-US" altLang="ko-KR" sz="1400" dirty="0" smtClean="0">
+                <a:solidFill>
+                  <a:schemeClr val="tx1"/>
+                </a:solidFill>
+              </a:rPr>
+              <a:t>)</a:t>
             </a:r>
             <a:endParaRPr lang="ko-KR" altLang="en-US" sz="1400" dirty="0">
               <a:solidFill>
@@ -6998,7 +7078,23 @@
                   <a:schemeClr val="tx1"/>
                 </a:solidFill>
               </a:rPr>
-              <a:t>(255.0.0.1)</a:t>
+              <a:t>(</a:t>
+            </a:r>
+            <a:r>
+              <a:rPr lang="en-US" altLang="ko-KR" sz="1400" dirty="0" smtClean="0">
+                <a:solidFill>
+                  <a:schemeClr val="tx1"/>
+                </a:solidFill>
+              </a:rPr>
+              <a:t>224.0.0.1</a:t>
+            </a:r>
+            <a:r>
+              <a:rPr lang="en-US" altLang="ko-KR" sz="1400" dirty="0" smtClean="0">
+                <a:solidFill>
+                  <a:schemeClr val="tx1"/>
+                </a:solidFill>
+              </a:rPr>
+              <a:t>)</a:t>
             </a:r>
             <a:endParaRPr lang="ko-KR" altLang="en-US" sz="1400" dirty="0">
               <a:solidFill>
@@ -7063,7 +7159,23 @@
                   <a:schemeClr val="tx1"/>
                 </a:solidFill>
               </a:rPr>
-              <a:t>(255.0.0.1)</a:t>
+              <a:t>(</a:t>
+            </a:r>
+            <a:r>
+              <a:rPr lang="en-US" altLang="ko-KR" sz="1400" dirty="0" smtClean="0">
+                <a:solidFill>
+                  <a:schemeClr val="tx1"/>
+                </a:solidFill>
+              </a:rPr>
+              <a:t>224.0.0.1</a:t>
+            </a:r>
+            <a:r>
+              <a:rPr lang="en-US" altLang="ko-KR" sz="1400" dirty="0" smtClean="0">
+                <a:solidFill>
+                  <a:schemeClr val="tx1"/>
+                </a:solidFill>
+              </a:rPr>
+              <a:t>)</a:t>
             </a:r>
             <a:endParaRPr lang="ko-KR" altLang="en-US" sz="1400" dirty="0">
               <a:solidFill>
@@ -7790,7 +7902,23 @@
                   <a:schemeClr val="tx1"/>
                 </a:solidFill>
               </a:rPr>
-              <a:t>(255.0.0.1)</a:t>
+              <a:t>(</a:t>
+            </a:r>
+            <a:r>
+              <a:rPr lang="en-US" altLang="ko-KR" sz="1400" dirty="0" smtClean="0">
+                <a:solidFill>
+                  <a:schemeClr val="tx1"/>
+                </a:solidFill>
+              </a:rPr>
+              <a:t>224.0.0.1</a:t>
+            </a:r>
+            <a:r>
+              <a:rPr lang="en-US" altLang="ko-KR" sz="1400" dirty="0" smtClean="0">
+                <a:solidFill>
+                  <a:schemeClr val="tx1"/>
+                </a:solidFill>
+              </a:rPr>
+              <a:t>)</a:t>
             </a:r>
             <a:endParaRPr lang="ko-KR" altLang="en-US" sz="1400" dirty="0">
               <a:solidFill>
@@ -7991,7 +8119,23 @@
                   <a:schemeClr val="tx1"/>
                 </a:solidFill>
               </a:rPr>
-              <a:t>(255.0.0.1)</a:t>
+              <a:t>(</a:t>
+            </a:r>
+            <a:r>
+              <a:rPr lang="en-US" altLang="ko-KR" sz="1400" dirty="0" smtClean="0">
+                <a:solidFill>
+                  <a:schemeClr val="tx1"/>
+                </a:solidFill>
+              </a:rPr>
+              <a:t>224.0.0.1</a:t>
+            </a:r>
+            <a:r>
+              <a:rPr lang="en-US" altLang="ko-KR" sz="1400" dirty="0">
+                <a:solidFill>
+                  <a:schemeClr val="tx1"/>
+                </a:solidFill>
+              </a:rPr>
+              <a:t>)</a:t>
             </a:r>
             <a:endParaRPr lang="ko-KR" altLang="en-US" sz="1400" dirty="0">
               <a:solidFill>
@@ -8654,7 +8798,23 @@
                   <a:schemeClr val="tx1"/>
                 </a:solidFill>
               </a:rPr>
-              <a:t>(255.0.0.1)</a:t>
+              <a:t>(</a:t>
+            </a:r>
+            <a:r>
+              <a:rPr lang="en-US" altLang="ko-KR" sz="1400" dirty="0" smtClean="0">
+                <a:solidFill>
+                  <a:schemeClr val="tx1"/>
+                </a:solidFill>
+              </a:rPr>
+              <a:t>224.0.0.1</a:t>
+            </a:r>
+            <a:r>
+              <a:rPr lang="en-US" altLang="ko-KR" sz="1400" dirty="0" smtClean="0">
+                <a:solidFill>
+                  <a:schemeClr val="tx1"/>
+                </a:solidFill>
+              </a:rPr>
+              <a:t>)</a:t>
             </a:r>
             <a:endParaRPr lang="ko-KR" altLang="en-US" sz="1400" dirty="0">
               <a:solidFill>
@@ -8856,7 +9016,23 @@
                   <a:schemeClr val="tx1"/>
                 </a:solidFill>
               </a:rPr>
-              <a:t>(255.0.0.1)</a:t>
+              <a:t>(</a:t>
+            </a:r>
+            <a:r>
+              <a:rPr lang="en-US" altLang="ko-KR" sz="1400" dirty="0" smtClean="0">
+                <a:solidFill>
+                  <a:schemeClr val="tx1"/>
+                </a:solidFill>
+              </a:rPr>
+              <a:t>224.0.0.1</a:t>
+            </a:r>
+            <a:r>
+              <a:rPr lang="en-US" altLang="ko-KR" sz="1400" dirty="0">
+                <a:solidFill>
+                  <a:schemeClr val="tx1"/>
+                </a:solidFill>
+              </a:rPr>
+              <a:t>)</a:t>
             </a:r>
             <a:endParaRPr lang="ko-KR" altLang="en-US" sz="1400" dirty="0">
               <a:solidFill>
